--- a/Myo-Car.pptx
+++ b/Myo-Car.pptx
@@ -13,7 +13,7 @@
     <p:sldId id="261" r:id="rId7"/>
     <p:sldId id="264" r:id="rId8"/>
     <p:sldId id="262" r:id="rId9"/>
-    <p:sldId id="263" r:id="rId10"/>
+    <p:sldId id="265" r:id="rId10"/>
   </p:sldIdLst>
   <p:sldSz cx="12192000" cy="6858000"/>
   <p:notesSz cx="6858000" cy="9144000"/>
@@ -118,6 +118,10 @@
     </p:ext>
   </p:extLst>
 </p:presentation>
+</file>
+
+<file path=ppt/revisionInfo.xml><?xml version="1.0" encoding="utf-8"?>
+<p1510:revInfo xmlns:a="http://schemas.openxmlformats.org/drawingml/2006/main" xmlns:r="http://schemas.openxmlformats.org/officeDocument/2006/relationships" xmlns:p1510="http://schemas.microsoft.com/office/powerpoint/2015/10/main"/>
 </file>
 
 <file path=ppt/slideLayouts/slideLayout1.xml><?xml version="1.0" encoding="utf-8"?>
@@ -10538,8 +10542,8 @@
         </p:blipFill>
         <p:spPr>
           <a:xfrm>
-            <a:off x="3446280" y="675502"/>
-            <a:ext cx="2646208" cy="2646208"/>
+            <a:off x="4211065" y="2786201"/>
+            <a:ext cx="1285596" cy="1285596"/>
           </a:xfrm>
           <a:prstGeom prst="rect">
             <a:avLst/>
@@ -10687,10 +10691,40 @@
           </a:p>
         </p:txBody>
       </p:sp>
+      <p:pic>
+        <p:nvPicPr>
+          <p:cNvPr id="4" name="Picture 3">
+            <a:extLst>
+              <a:ext uri="{FF2B5EF4-FFF2-40B4-BE49-F238E27FC236}">
+                <a16:creationId xmlns:a16="http://schemas.microsoft.com/office/drawing/2014/main" id="{567B7E57-7FC1-4A68-A9BF-3906D7F102C1}"/>
+              </a:ext>
+            </a:extLst>
+          </p:cNvPr>
+          <p:cNvPicPr>
+            <a:picLocks noChangeAspect="1"/>
+          </p:cNvPicPr>
+          <p:nvPr/>
+        </p:nvPicPr>
+        <p:blipFill>
+          <a:blip r:embed="rId11"/>
+          <a:stretch>
+            <a:fillRect/>
+          </a:stretch>
+        </p:blipFill>
+        <p:spPr>
+          <a:xfrm>
+            <a:off x="3532367" y="844757"/>
+            <a:ext cx="2744086" cy="1372043"/>
+          </a:xfrm>
+          <a:prstGeom prst="rect">
+            <a:avLst/>
+          </a:prstGeom>
+        </p:spPr>
+      </p:pic>
     </p:spTree>
     <p:extLst>
       <p:ext uri="{BB962C8B-B14F-4D97-AF65-F5344CB8AC3E}">
-        <p14:creationId xmlns:p14="http://schemas.microsoft.com/office/powerpoint/2010/main" val="2299932853"/>
+        <p14:creationId xmlns:p14="http://schemas.microsoft.com/office/powerpoint/2010/main" val="4073157136"/>
       </p:ext>
     </p:extLst>
   </p:cSld>

--- a/Myo-Car.pptx
+++ b/Myo-Car.pptx
@@ -10,10 +10,10 @@
     <p:sldId id="258" r:id="rId4"/>
     <p:sldId id="259" r:id="rId5"/>
     <p:sldId id="260" r:id="rId6"/>
-    <p:sldId id="261" r:id="rId7"/>
+    <p:sldId id="266" r:id="rId7"/>
     <p:sldId id="264" r:id="rId8"/>
     <p:sldId id="262" r:id="rId9"/>
-    <p:sldId id="265" r:id="rId10"/>
+    <p:sldId id="263" r:id="rId10"/>
   </p:sldIdLst>
   <p:sldSz cx="12192000" cy="6858000"/>
   <p:notesSz cx="6858000" cy="9144000"/>
@@ -310,7 +310,7 @@
           <a:p>
             <a:fld id="{4AAD347D-5ACD-4C99-B74B-A9C85AD731AF}" type="datetimeFigureOut">
               <a:rPr lang="en-US" dirty="0"/>
-              <a:t>17.09.2017</a:t>
+              <a:t>17-Sep-17</a:t>
             </a:fld>
             <a:endParaRPr lang="en-US" dirty="0"/>
           </a:p>
@@ -352,7 +352,7 @@
           <a:p>
             <a:fld id="{D57F1E4F-1CFF-5643-939E-02111984F565}" type="slidenum">
               <a:rPr lang="en-US" dirty="0"/>
-              <a:t>‹#›</a:t>
+              <a:t>‹Nr.›</a:t>
             </a:fld>
             <a:endParaRPr lang="en-US" dirty="0"/>
           </a:p>
@@ -580,7 +580,7 @@
           <a:p>
             <a:fld id="{4509A250-FF31-4206-8172-F9D3106AACB1}" type="datetimeFigureOut">
               <a:rPr lang="en-US" dirty="0"/>
-              <a:t>17.09.2017</a:t>
+              <a:t>17-Sep-17</a:t>
             </a:fld>
             <a:endParaRPr lang="en-US" dirty="0"/>
           </a:p>
@@ -622,7 +622,7 @@
           <a:p>
             <a:fld id="{D57F1E4F-1CFF-5643-939E-02111984F565}" type="slidenum">
               <a:rPr lang="en-US" dirty="0"/>
-              <a:t>‹#›</a:t>
+              <a:t>‹Nr.›</a:t>
             </a:fld>
             <a:endParaRPr lang="en-US" dirty="0"/>
           </a:p>
@@ -769,7 +769,7 @@
           <a:p>
             <a:fld id="{4509A250-FF31-4206-8172-F9D3106AACB1}" type="datetimeFigureOut">
               <a:rPr lang="en-US" dirty="0"/>
-              <a:t>17.09.2017</a:t>
+              <a:t>17-Sep-17</a:t>
             </a:fld>
             <a:endParaRPr lang="en-US" dirty="0"/>
           </a:p>
@@ -811,7 +811,7 @@
           <a:p>
             <a:fld id="{D57F1E4F-1CFF-5643-939E-02111984F565}" type="slidenum">
               <a:rPr lang="en-US" dirty="0"/>
-              <a:t>‹#›</a:t>
+              <a:t>‹Nr.›</a:t>
             </a:fld>
             <a:endParaRPr lang="en-US" dirty="0"/>
           </a:p>
@@ -1035,7 +1035,7 @@
           <a:p>
             <a:fld id="{4509A250-FF31-4206-8172-F9D3106AACB1}" type="datetimeFigureOut">
               <a:rPr lang="en-US" dirty="0"/>
-              <a:t>17.09.2017</a:t>
+              <a:t>17-Sep-17</a:t>
             </a:fld>
             <a:endParaRPr lang="en-US" dirty="0"/>
           </a:p>
@@ -1077,7 +1077,7 @@
           <a:p>
             <a:fld id="{D57F1E4F-1CFF-5643-939E-02111984F565}" type="slidenum">
               <a:rPr lang="en-US" dirty="0"/>
-              <a:t>‹#›</a:t>
+              <a:t>‹Nr.›</a:t>
             </a:fld>
             <a:endParaRPr lang="en-US" dirty="0"/>
           </a:p>
@@ -1357,7 +1357,7 @@
           <a:p>
             <a:fld id="{4509A250-FF31-4206-8172-F9D3106AACB1}" type="datetimeFigureOut">
               <a:rPr lang="en-US" dirty="0"/>
-              <a:t>17.09.2017</a:t>
+              <a:t>17-Sep-17</a:t>
             </a:fld>
             <a:endParaRPr lang="en-US" dirty="0"/>
           </a:p>
@@ -1399,7 +1399,7 @@
           <a:p>
             <a:fld id="{D57F1E4F-1CFF-5643-939E-02111984F565}" type="slidenum">
               <a:rPr lang="en-US" dirty="0"/>
-              <a:t>‹#›</a:t>
+              <a:t>‹Nr.›</a:t>
             </a:fld>
             <a:endParaRPr lang="en-US" dirty="0"/>
           </a:p>
@@ -1971,7 +1971,7 @@
           <a:p>
             <a:fld id="{4509A250-FF31-4206-8172-F9D3106AACB1}" type="datetimeFigureOut">
               <a:rPr lang="en-US" dirty="0"/>
-              <a:t>17.09.2017</a:t>
+              <a:t>17-Sep-17</a:t>
             </a:fld>
             <a:endParaRPr lang="en-US" dirty="0"/>
           </a:p>
@@ -2013,7 +2013,7 @@
           <a:p>
             <a:fld id="{D57F1E4F-1CFF-5643-939E-02111984F565}" type="slidenum">
               <a:rPr lang="en-US" dirty="0"/>
-              <a:t>‹#›</a:t>
+              <a:t>‹Nr.›</a:t>
             </a:fld>
             <a:endParaRPr lang="en-US" dirty="0"/>
           </a:p>
@@ -2813,7 +2813,7 @@
           <a:p>
             <a:fld id="{4509A250-FF31-4206-8172-F9D3106AACB1}" type="datetimeFigureOut">
               <a:rPr lang="en-US" dirty="0"/>
-              <a:t>17.09.2017</a:t>
+              <a:t>17-Sep-17</a:t>
             </a:fld>
             <a:endParaRPr lang="en-US" dirty="0"/>
           </a:p>
@@ -2855,7 +2855,7 @@
           <a:p>
             <a:fld id="{D57F1E4F-1CFF-5643-939E-02111984F565}" type="slidenum">
               <a:rPr lang="en-US" dirty="0"/>
-              <a:t>‹#›</a:t>
+              <a:t>‹Nr.›</a:t>
             </a:fld>
             <a:endParaRPr lang="en-US" dirty="0"/>
           </a:p>
@@ -2978,7 +2978,7 @@
           <a:p>
             <a:fld id="{4509A250-FF31-4206-8172-F9D3106AACB1}" type="datetimeFigureOut">
               <a:rPr lang="en-US" dirty="0"/>
-              <a:t>17.09.2017</a:t>
+              <a:t>17-Sep-17</a:t>
             </a:fld>
             <a:endParaRPr lang="en-US" dirty="0"/>
           </a:p>
@@ -3020,7 +3020,7 @@
           <a:p>
             <a:fld id="{D57F1E4F-1CFF-5643-939E-02111984F565}" type="slidenum">
               <a:rPr lang="en-US" dirty="0"/>
-              <a:t>‹#›</a:t>
+              <a:t>‹Nr.›</a:t>
             </a:fld>
             <a:endParaRPr lang="en-US" dirty="0"/>
           </a:p>
@@ -3153,7 +3153,7 @@
           <a:p>
             <a:fld id="{4509A250-FF31-4206-8172-F9D3106AACB1}" type="datetimeFigureOut">
               <a:rPr lang="en-US" dirty="0"/>
-              <a:t>17.09.2017</a:t>
+              <a:t>17-Sep-17</a:t>
             </a:fld>
             <a:endParaRPr lang="en-US" dirty="0"/>
           </a:p>
@@ -3195,7 +3195,7 @@
           <a:p>
             <a:fld id="{D57F1E4F-1CFF-5643-939E-02111984F565}" type="slidenum">
               <a:rPr lang="en-US" dirty="0"/>
-              <a:t>‹#›</a:t>
+              <a:t>‹Nr.›</a:t>
             </a:fld>
             <a:endParaRPr lang="en-US" dirty="0"/>
           </a:p>
@@ -3318,7 +3318,7 @@
           <a:p>
             <a:fld id="{9796027F-7875-4030-9381-8BD8C4F21935}" type="datetimeFigureOut">
               <a:rPr lang="en-US" dirty="0"/>
-              <a:t>17.09.2017</a:t>
+              <a:t>17-Sep-17</a:t>
             </a:fld>
             <a:endParaRPr lang="en-US" dirty="0"/>
           </a:p>
@@ -3360,7 +3360,7 @@
           <a:p>
             <a:fld id="{D57F1E4F-1CFF-5643-939E-02111984F565}" type="slidenum">
               <a:rPr lang="en-US" dirty="0"/>
-              <a:t>‹#›</a:t>
+              <a:t>‹Nr.›</a:t>
             </a:fld>
             <a:endParaRPr lang="en-US" dirty="0"/>
           </a:p>
@@ -3560,7 +3560,7 @@
           <a:p>
             <a:fld id="{9796027F-7875-4030-9381-8BD8C4F21935}" type="datetimeFigureOut">
               <a:rPr lang="en-US" dirty="0"/>
-              <a:t>17.09.2017</a:t>
+              <a:t>17-Sep-17</a:t>
             </a:fld>
             <a:endParaRPr lang="en-US" dirty="0"/>
           </a:p>
@@ -3602,7 +3602,7 @@
           <a:p>
             <a:fld id="{D57F1E4F-1CFF-5643-939E-02111984F565}" type="slidenum">
               <a:rPr lang="en-US" dirty="0"/>
-              <a:t>‹#›</a:t>
+              <a:t>‹Nr.›</a:t>
             </a:fld>
             <a:endParaRPr lang="en-US" dirty="0"/>
           </a:p>
@@ -3847,7 +3847,7 @@
           <a:p>
             <a:fld id="{9796027F-7875-4030-9381-8BD8C4F21935}" type="datetimeFigureOut">
               <a:rPr lang="en-US" dirty="0"/>
-              <a:t>17.09.2017</a:t>
+              <a:t>17-Sep-17</a:t>
             </a:fld>
             <a:endParaRPr lang="en-US" dirty="0"/>
           </a:p>
@@ -3889,7 +3889,7 @@
           <a:p>
             <a:fld id="{D57F1E4F-1CFF-5643-939E-02111984F565}" type="slidenum">
               <a:rPr lang="en-US" dirty="0"/>
-              <a:t>‹#›</a:t>
+              <a:t>‹Nr.›</a:t>
             </a:fld>
             <a:endParaRPr lang="en-US" dirty="0"/>
           </a:p>
@@ -4286,7 +4286,7 @@
           <a:p>
             <a:fld id="{9796027F-7875-4030-9381-8BD8C4F21935}" type="datetimeFigureOut">
               <a:rPr lang="en-US" dirty="0"/>
-              <a:t>17.09.2017</a:t>
+              <a:t>17-Sep-17</a:t>
             </a:fld>
             <a:endParaRPr lang="en-US" dirty="0"/>
           </a:p>
@@ -4328,7 +4328,7 @@
           <a:p>
             <a:fld id="{D57F1E4F-1CFF-5643-939E-02111984F565}" type="slidenum">
               <a:rPr lang="en-US" dirty="0"/>
-              <a:t>‹#›</a:t>
+              <a:t>‹Nr.›</a:t>
             </a:fld>
             <a:endParaRPr lang="en-US" dirty="0"/>
           </a:p>
@@ -4399,7 +4399,7 @@
           <a:p>
             <a:fld id="{4509A250-FF31-4206-8172-F9D3106AACB1}" type="datetimeFigureOut">
               <a:rPr lang="en-US" dirty="0"/>
-              <a:t>17.09.2017</a:t>
+              <a:t>17-Sep-17</a:t>
             </a:fld>
             <a:endParaRPr lang="en-US" dirty="0"/>
           </a:p>
@@ -4441,7 +4441,7 @@
           <a:p>
             <a:fld id="{D57F1E4F-1CFF-5643-939E-02111984F565}" type="slidenum">
               <a:rPr lang="en-US" dirty="0"/>
-              <a:t>‹#›</a:t>
+              <a:t>‹Nr.›</a:t>
             </a:fld>
             <a:endParaRPr lang="en-US" dirty="0"/>
           </a:p>
@@ -4489,7 +4489,7 @@
           <a:p>
             <a:fld id="{4509A250-FF31-4206-8172-F9D3106AACB1}" type="datetimeFigureOut">
               <a:rPr lang="en-US" dirty="0"/>
-              <a:t>17.09.2017</a:t>
+              <a:t>17-Sep-17</a:t>
             </a:fld>
             <a:endParaRPr lang="en-US" dirty="0"/>
           </a:p>
@@ -4531,7 +4531,7 @@
           <a:p>
             <a:fld id="{D57F1E4F-1CFF-5643-939E-02111984F565}" type="slidenum">
               <a:rPr lang="en-US" dirty="0"/>
-              <a:t>‹#›</a:t>
+              <a:t>‹Nr.›</a:t>
             </a:fld>
             <a:endParaRPr lang="en-US" dirty="0"/>
           </a:p>
@@ -4763,7 +4763,7 @@
           <a:p>
             <a:fld id="{4509A250-FF31-4206-8172-F9D3106AACB1}" type="datetimeFigureOut">
               <a:rPr lang="en-US" dirty="0"/>
-              <a:t>17.09.2017</a:t>
+              <a:t>17-Sep-17</a:t>
             </a:fld>
             <a:endParaRPr lang="en-US" dirty="0"/>
           </a:p>
@@ -4805,7 +4805,7 @@
           <a:p>
             <a:fld id="{D57F1E4F-1CFF-5643-939E-02111984F565}" type="slidenum">
               <a:rPr lang="en-US" dirty="0"/>
-              <a:t>‹#›</a:t>
+              <a:t>‹Nr.›</a:t>
             </a:fld>
             <a:endParaRPr lang="en-US" dirty="0"/>
           </a:p>
@@ -5033,7 +5033,7 @@
           <a:p>
             <a:fld id="{4509A250-FF31-4206-8172-F9D3106AACB1}" type="datetimeFigureOut">
               <a:rPr lang="en-US" dirty="0"/>
-              <a:t>17.09.2017</a:t>
+              <a:t>17-Sep-17</a:t>
             </a:fld>
             <a:endParaRPr lang="en-US" dirty="0"/>
           </a:p>
@@ -5075,7 +5075,7 @@
           <a:p>
             <a:fld id="{D57F1E4F-1CFF-5643-939E-02111984F565}" type="slidenum">
               <a:rPr lang="en-US" dirty="0"/>
-              <a:t>‹#›</a:t>
+              <a:t>‹Nr.›</a:t>
             </a:fld>
             <a:endParaRPr lang="en-US" dirty="0"/>
           </a:p>
@@ -5451,7 +5451,7 @@
           <a:p>
             <a:fld id="{4AAD347D-5ACD-4C99-B74B-A9C85AD731AF}" type="datetimeFigureOut">
               <a:rPr lang="en-US" dirty="0"/>
-              <a:t>17.09.2017</a:t>
+              <a:t>17-Sep-17</a:t>
             </a:fld>
             <a:endParaRPr lang="en-US" dirty="0"/>
           </a:p>
@@ -5530,7 +5530,7 @@
           <a:p>
             <a:fld id="{D57F1E4F-1CFF-5643-939E-02111984F565}" type="slidenum">
               <a:rPr lang="en-US" dirty="0"/>
-              <a:t>‹#›</a:t>
+              <a:t>‹Nr.›</a:t>
             </a:fld>
             <a:endParaRPr lang="en-US" dirty="0"/>
           </a:p>
@@ -8562,14 +8562,14 @@
           <a:bodyPr/>
           <a:lstStyle/>
           <a:p>
-            <a:endParaRPr lang="de-CH"/>
+            <a:endParaRPr lang="de-CH" dirty="0"/>
           </a:p>
         </p:txBody>
       </p:sp>
     </p:spTree>
     <p:extLst>
       <p:ext uri="{BB962C8B-B14F-4D97-AF65-F5344CB8AC3E}">
-        <p14:creationId xmlns:p14="http://schemas.microsoft.com/office/powerpoint/2010/main" val="3700684568"/>
+        <p14:creationId xmlns:p14="http://schemas.microsoft.com/office/powerpoint/2010/main" val="1346330497"/>
       </p:ext>
     </p:extLst>
   </p:cSld>
@@ -8630,22 +8630,6 @@
               <a:rPr lang="de-CH" dirty="0" err="1"/>
               <a:t>gestures</a:t>
             </a:r>
-            <a:r>
-              <a:rPr lang="de-CH" dirty="0"/>
-              <a:t> in </a:t>
-            </a:r>
-            <a:r>
-              <a:rPr lang="de-CH" dirty="0" err="1"/>
-              <a:t>this</a:t>
-            </a:r>
-            <a:r>
-              <a:rPr lang="de-CH" dirty="0"/>
-              <a:t> </a:t>
-            </a:r>
-            <a:r>
-              <a:rPr lang="de-CH" dirty="0" err="1"/>
-              <a:t>demo</a:t>
-            </a:r>
             <a:endParaRPr lang="de-CH" dirty="0"/>
           </a:p>
         </p:txBody>
@@ -8672,12 +8656,101 @@
           <a:lstStyle/>
           <a:p>
             <a:r>
+              <a:rPr lang="de-CH" b="1" dirty="0" err="1"/>
+              <a:t>Rotating</a:t>
+            </a:r>
+            <a:r>
+              <a:rPr lang="de-CH" b="1" dirty="0"/>
+              <a:t> </a:t>
+            </a:r>
+            <a:r>
+              <a:rPr lang="de-CH" b="1" dirty="0" err="1"/>
+              <a:t>left</a:t>
+            </a:r>
+            <a:r>
+              <a:rPr lang="de-CH" b="1" dirty="0"/>
+              <a:t> arm</a:t>
+            </a:r>
+            <a:r>
               <a:rPr lang="de-CH" dirty="0"/>
-              <a:t>By </a:t>
+              <a:t>: </a:t>
             </a:r>
             <a:r>
               <a:rPr lang="de-CH" dirty="0" err="1"/>
-              <a:t>rotating</a:t>
+              <a:t>steering</a:t>
+            </a:r>
+            <a:endParaRPr lang="de-CH" dirty="0"/>
+          </a:p>
+          <a:p>
+            <a:endParaRPr lang="de-CH" dirty="0"/>
+          </a:p>
+          <a:p>
+            <a:r>
+              <a:rPr lang="de-CH" b="1" dirty="0"/>
+              <a:t>Lifting </a:t>
+            </a:r>
+            <a:r>
+              <a:rPr lang="de-CH" b="1" dirty="0" err="1"/>
+              <a:t>right</a:t>
+            </a:r>
+            <a:r>
+              <a:rPr lang="de-CH" b="1" dirty="0"/>
+              <a:t> arm: </a:t>
+            </a:r>
+            <a:r>
+              <a:rPr lang="de-CH" dirty="0" err="1"/>
+              <a:t>acceleration</a:t>
+            </a:r>
+            <a:endParaRPr lang="de-CH" dirty="0"/>
+          </a:p>
+          <a:p>
+            <a:endParaRPr lang="de-CH" dirty="0"/>
+          </a:p>
+          <a:p>
+            <a:r>
+              <a:rPr lang="de-CH" b="1" dirty="0" err="1"/>
+              <a:t>Lowering</a:t>
+            </a:r>
+            <a:r>
+              <a:rPr lang="de-CH" b="1" dirty="0"/>
+              <a:t> </a:t>
+            </a:r>
+            <a:r>
+              <a:rPr lang="de-CH" b="1" dirty="0" err="1"/>
+              <a:t>right</a:t>
+            </a:r>
+            <a:r>
+              <a:rPr lang="de-CH" b="1" dirty="0"/>
+              <a:t> arm: </a:t>
+            </a:r>
+            <a:r>
+              <a:rPr lang="de-CH" dirty="0" err="1"/>
+              <a:t>slowing</a:t>
+            </a:r>
+            <a:r>
+              <a:rPr lang="de-CH" dirty="0"/>
+              <a:t> down</a:t>
+            </a:r>
+          </a:p>
+          <a:p>
+            <a:endParaRPr lang="de-CH" dirty="0"/>
+          </a:p>
+          <a:p>
+            <a:r>
+              <a:rPr lang="de-CH" b="1" dirty="0"/>
+              <a:t>Wave-out / </a:t>
+            </a:r>
+            <a:r>
+              <a:rPr lang="de-CH" b="1" dirty="0" err="1"/>
+              <a:t>wave</a:t>
+            </a:r>
+            <a:r>
+              <a:rPr lang="de-CH" b="1" dirty="0"/>
+              <a:t>-in: </a:t>
+            </a:r>
+            <a:r>
+              <a:rPr lang="de-CH" dirty="0" err="1"/>
+              <a:t>shifting</a:t>
             </a:r>
             <a:r>
               <a:rPr lang="de-CH" dirty="0"/>
@@ -8685,332 +8758,70 @@
             </a:r>
             <a:r>
               <a:rPr lang="de-CH" dirty="0" err="1"/>
-              <a:t>your</a:t>
-            </a:r>
-            <a:r>
-              <a:rPr lang="de-CH" dirty="0"/>
+              <a:t>gears</a:t>
+            </a:r>
+            <a:endParaRPr lang="de-CH" dirty="0"/>
+          </a:p>
+          <a:p>
+            <a:endParaRPr lang="de-CH" dirty="0"/>
+          </a:p>
+          <a:p>
+            <a:r>
+              <a:rPr lang="de-CH" b="1" dirty="0" err="1"/>
+              <a:t>Clanging</a:t>
+            </a:r>
+            <a:r>
+              <a:rPr lang="de-CH" b="1" dirty="0"/>
               <a:t> </a:t>
             </a:r>
             <a:r>
-              <a:rPr lang="de-CH" dirty="0" err="1"/>
+              <a:rPr lang="de-CH" b="1" dirty="0" err="1"/>
+              <a:t>the</a:t>
+            </a:r>
+            <a:r>
+              <a:rPr lang="de-CH" b="1" dirty="0"/>
+              <a:t> </a:t>
+            </a:r>
+            <a:r>
+              <a:rPr lang="de-CH" b="1" dirty="0" err="1"/>
+              <a:t>fist</a:t>
+            </a:r>
+            <a:r>
+              <a:rPr lang="de-CH" b="1" dirty="0"/>
+              <a:t> </a:t>
+            </a:r>
+            <a:r>
+              <a:rPr lang="de-CH" b="1" dirty="0" err="1"/>
+              <a:t>of</a:t>
+            </a:r>
+            <a:r>
+              <a:rPr lang="de-CH" b="1" dirty="0"/>
+              <a:t> </a:t>
+            </a:r>
+            <a:r>
+              <a:rPr lang="de-CH" b="1" dirty="0" err="1"/>
+              <a:t>right</a:t>
+            </a:r>
+            <a:r>
+              <a:rPr lang="de-CH" b="1" dirty="0"/>
+              <a:t> / </a:t>
+            </a:r>
+            <a:r>
+              <a:rPr lang="de-CH" b="1" dirty="0" err="1"/>
               <a:t>left</a:t>
             </a:r>
             <a:r>
-              <a:rPr lang="de-CH" dirty="0"/>
+              <a:rPr lang="de-CH" b="1" dirty="0"/>
               <a:t> </a:t>
             </a:r>
             <a:r>
-              <a:rPr lang="de-CH" dirty="0" err="1"/>
-              <a:t>forearm</a:t>
-            </a:r>
-            <a:r>
-              <a:rPr lang="de-CH" dirty="0"/>
-              <a:t> </a:t>
-            </a:r>
-            <a:r>
-              <a:rPr lang="de-CH" dirty="0" err="1"/>
-              <a:t>you</a:t>
-            </a:r>
-            <a:r>
-              <a:rPr lang="de-CH" dirty="0"/>
-              <a:t> </a:t>
-            </a:r>
-            <a:r>
-              <a:rPr lang="de-CH" dirty="0" err="1"/>
-              <a:t>can</a:t>
-            </a:r>
-            <a:r>
-              <a:rPr lang="de-CH" dirty="0"/>
-              <a:t> </a:t>
-            </a:r>
-            <a:r>
-              <a:rPr lang="de-CH" dirty="0" err="1"/>
-              <a:t>control</a:t>
-            </a:r>
-            <a:r>
-              <a:rPr lang="de-CH" dirty="0"/>
-              <a:t> </a:t>
-            </a:r>
-            <a:r>
-              <a:rPr lang="de-CH" dirty="0" err="1"/>
-              <a:t>the</a:t>
-            </a:r>
-            <a:r>
-              <a:rPr lang="de-CH" dirty="0"/>
-              <a:t> </a:t>
-            </a:r>
-            <a:r>
-              <a:rPr lang="de-CH" dirty="0" err="1"/>
-              <a:t>steering</a:t>
-            </a:r>
-            <a:r>
-              <a:rPr lang="de-CH" dirty="0"/>
-              <a:t> angle </a:t>
-            </a:r>
-            <a:r>
-              <a:rPr lang="de-CH" dirty="0" err="1"/>
-              <a:t>of</a:t>
-            </a:r>
-            <a:r>
-              <a:rPr lang="de-CH" dirty="0"/>
-              <a:t> </a:t>
-            </a:r>
-            <a:r>
-              <a:rPr lang="de-CH" dirty="0" err="1"/>
-              <a:t>the</a:t>
-            </a:r>
-            <a:r>
-              <a:rPr lang="de-CH" dirty="0"/>
-              <a:t> </a:t>
-            </a:r>
-            <a:r>
-              <a:rPr lang="de-CH" dirty="0" err="1"/>
-              <a:t>car</a:t>
-            </a:r>
-            <a:endParaRPr lang="de-CH" dirty="0"/>
-          </a:p>
-          <a:p>
-            <a:r>
-              <a:rPr lang="de-CH" dirty="0"/>
-              <a:t>By </a:t>
-            </a:r>
-            <a:r>
-              <a:rPr lang="de-CH" dirty="0" err="1"/>
-              <a:t>lifting</a:t>
-            </a:r>
-            <a:r>
-              <a:rPr lang="de-CH" dirty="0"/>
-              <a:t> </a:t>
-            </a:r>
-            <a:r>
-              <a:rPr lang="de-CH" dirty="0" err="1"/>
-              <a:t>your</a:t>
-            </a:r>
-            <a:r>
-              <a:rPr lang="de-CH" dirty="0"/>
-              <a:t> </a:t>
-            </a:r>
-            <a:r>
-              <a:rPr lang="de-CH" dirty="0" err="1"/>
-              <a:t>right</a:t>
-            </a:r>
-            <a:r>
-              <a:rPr lang="de-CH" dirty="0"/>
-              <a:t> arm </a:t>
-            </a:r>
-            <a:r>
-              <a:rPr lang="de-CH" dirty="0" err="1"/>
-              <a:t>you</a:t>
-            </a:r>
-            <a:r>
-              <a:rPr lang="de-CH" dirty="0"/>
-              <a:t> </a:t>
-            </a:r>
-            <a:r>
-              <a:rPr lang="de-CH" dirty="0" err="1"/>
-              <a:t>can</a:t>
-            </a:r>
-            <a:r>
-              <a:rPr lang="de-CH" dirty="0"/>
-              <a:t> </a:t>
-            </a:r>
-            <a:r>
-              <a:rPr lang="de-CH" dirty="0" err="1"/>
-              <a:t>accelerate</a:t>
-            </a:r>
-            <a:r>
-              <a:rPr lang="de-CH" dirty="0"/>
-              <a:t> </a:t>
-            </a:r>
-            <a:r>
-              <a:rPr lang="de-CH" dirty="0" err="1"/>
-              <a:t>the</a:t>
-            </a:r>
-            <a:r>
-              <a:rPr lang="de-CH" dirty="0"/>
-              <a:t> </a:t>
-            </a:r>
-            <a:r>
-              <a:rPr lang="de-CH" dirty="0" err="1"/>
-              <a:t>car</a:t>
-            </a:r>
-            <a:endParaRPr lang="de-CH" dirty="0"/>
-          </a:p>
-          <a:p>
-            <a:r>
-              <a:rPr lang="de-CH" dirty="0"/>
-              <a:t>By </a:t>
-            </a:r>
-            <a:r>
-              <a:rPr lang="de-CH" dirty="0" err="1"/>
-              <a:t>lowering</a:t>
-            </a:r>
-            <a:r>
-              <a:rPr lang="de-CH" dirty="0"/>
-              <a:t> </a:t>
-            </a:r>
-            <a:r>
-              <a:rPr lang="de-CH" dirty="0" err="1"/>
-              <a:t>your</a:t>
-            </a:r>
-            <a:r>
-              <a:rPr lang="de-CH" dirty="0"/>
-              <a:t> </a:t>
-            </a:r>
-            <a:r>
-              <a:rPr lang="de-CH" dirty="0" err="1"/>
-              <a:t>right</a:t>
-            </a:r>
-            <a:r>
-              <a:rPr lang="de-CH" dirty="0"/>
-              <a:t> arm, </a:t>
-            </a:r>
-            <a:r>
-              <a:rPr lang="de-CH" dirty="0" err="1"/>
-              <a:t>you</a:t>
-            </a:r>
-            <a:r>
-              <a:rPr lang="de-CH" dirty="0"/>
-              <a:t> </a:t>
-            </a:r>
-            <a:r>
-              <a:rPr lang="de-CH" dirty="0" err="1"/>
-              <a:t>decrease</a:t>
-            </a:r>
-            <a:r>
-              <a:rPr lang="de-CH" dirty="0"/>
-              <a:t> </a:t>
-            </a:r>
-            <a:r>
-              <a:rPr lang="de-CH" dirty="0" err="1"/>
-              <a:t>the</a:t>
-            </a:r>
-            <a:r>
-              <a:rPr lang="de-CH" dirty="0"/>
-              <a:t> </a:t>
-            </a:r>
-            <a:r>
-              <a:rPr lang="de-CH" dirty="0" err="1"/>
-              <a:t>speed</a:t>
-            </a:r>
-            <a:r>
-              <a:rPr lang="de-CH" dirty="0"/>
-              <a:t> </a:t>
-            </a:r>
-            <a:r>
-              <a:rPr lang="de-CH" dirty="0" err="1"/>
-              <a:t>or</a:t>
-            </a:r>
-            <a:r>
-              <a:rPr lang="de-CH" dirty="0"/>
-              <a:t> break </a:t>
-            </a:r>
-            <a:r>
-              <a:rPr lang="de-CH" dirty="0" err="1"/>
-              <a:t>if</a:t>
-            </a:r>
-            <a:r>
-              <a:rPr lang="de-CH" dirty="0"/>
-              <a:t> </a:t>
-            </a:r>
-            <a:r>
-              <a:rPr lang="de-CH" dirty="0" err="1"/>
-              <a:t>under</a:t>
-            </a:r>
-            <a:r>
-              <a:rPr lang="de-CH" dirty="0"/>
-              <a:t> </a:t>
-            </a:r>
-            <a:r>
-              <a:rPr lang="de-CH" dirty="0" err="1"/>
-              <a:t>rest</a:t>
-            </a:r>
-            <a:r>
-              <a:rPr lang="de-CH" dirty="0"/>
-              <a:t> </a:t>
-            </a:r>
-            <a:r>
-              <a:rPr lang="de-CH" dirty="0" err="1"/>
-              <a:t>position</a:t>
-            </a:r>
-            <a:endParaRPr lang="de-CH" dirty="0"/>
-          </a:p>
-          <a:p>
-            <a:r>
-              <a:rPr lang="de-CH" dirty="0"/>
-              <a:t>Shift </a:t>
-            </a:r>
-            <a:r>
-              <a:rPr lang="de-CH" dirty="0" err="1"/>
-              <a:t>gears</a:t>
-            </a:r>
-            <a:r>
-              <a:rPr lang="de-CH" dirty="0"/>
-              <a:t> via </a:t>
-            </a:r>
-            <a:r>
-              <a:rPr lang="de-CH" dirty="0" err="1"/>
-              <a:t>wave</a:t>
-            </a:r>
-            <a:r>
-              <a:rPr lang="de-CH" dirty="0"/>
-              <a:t>-out and </a:t>
-            </a:r>
-            <a:r>
-              <a:rPr lang="de-CH" dirty="0" err="1"/>
-              <a:t>wave</a:t>
-            </a:r>
-            <a:r>
-              <a:rPr lang="de-CH" dirty="0"/>
-              <a:t>-in </a:t>
-            </a:r>
-            <a:r>
-              <a:rPr lang="de-CH" dirty="0" err="1"/>
-              <a:t>gestures</a:t>
-            </a:r>
-            <a:r>
-              <a:rPr lang="de-CH" dirty="0"/>
-              <a:t> </a:t>
-            </a:r>
-            <a:r>
-              <a:rPr lang="de-CH" dirty="0" err="1"/>
-              <a:t>from</a:t>
-            </a:r>
-            <a:r>
-              <a:rPr lang="de-CH" dirty="0"/>
-              <a:t> neutral </a:t>
-            </a:r>
-            <a:r>
-              <a:rPr lang="de-CH" dirty="0" err="1"/>
-              <a:t>to</a:t>
-            </a:r>
-            <a:r>
-              <a:rPr lang="de-CH" dirty="0"/>
-              <a:t> </a:t>
-            </a:r>
-            <a:r>
-              <a:rPr lang="de-CH" dirty="0" err="1"/>
-              <a:t>forward</a:t>
-            </a:r>
-            <a:r>
-              <a:rPr lang="de-CH" dirty="0"/>
-              <a:t> </a:t>
-            </a:r>
-            <a:r>
-              <a:rPr lang="de-CH" dirty="0" err="1"/>
-              <a:t>or</a:t>
-            </a:r>
-            <a:r>
-              <a:rPr lang="de-CH" dirty="0"/>
-              <a:t> </a:t>
-            </a:r>
-            <a:r>
-              <a:rPr lang="de-CH" dirty="0" err="1"/>
-              <a:t>backward</a:t>
-            </a:r>
-            <a:endParaRPr lang="de-CH" dirty="0"/>
-          </a:p>
-          <a:p>
+              <a:rPr lang="de-CH" b="1" dirty="0" err="1"/>
+              <a:t>hand</a:t>
+            </a:r>
+            <a:r>
+              <a:rPr lang="de-CH" b="1" dirty="0"/>
+              <a:t>: </a:t>
+            </a:r>
             <a:r>
               <a:rPr lang="de-CH" dirty="0"/>
               <a:t>Turn </a:t>
@@ -9019,98 +8830,40 @@
               <a:rPr lang="de-CH" dirty="0" err="1"/>
               <a:t>signals</a:t>
             </a:r>
-            <a:r>
-              <a:rPr lang="de-CH" dirty="0"/>
-              <a:t> </a:t>
-            </a:r>
-            <a:r>
-              <a:rPr lang="de-CH" dirty="0" err="1"/>
-              <a:t>are</a:t>
-            </a:r>
-            <a:r>
-              <a:rPr lang="de-CH" dirty="0"/>
-              <a:t> </a:t>
-            </a:r>
-            <a:r>
-              <a:rPr lang="de-CH" dirty="0" err="1"/>
-              <a:t>turned</a:t>
-            </a:r>
-            <a:r>
-              <a:rPr lang="de-CH" dirty="0"/>
-              <a:t> on </a:t>
-            </a:r>
-            <a:r>
-              <a:rPr lang="de-CH" dirty="0" err="1"/>
-              <a:t>or</a:t>
-            </a:r>
-            <a:r>
-              <a:rPr lang="de-CH" dirty="0"/>
-              <a:t> off </a:t>
-            </a:r>
-            <a:r>
-              <a:rPr lang="de-CH" dirty="0" err="1"/>
-              <a:t>by</a:t>
-            </a:r>
-            <a:r>
-              <a:rPr lang="de-CH" dirty="0"/>
-              <a:t> </a:t>
-            </a:r>
-            <a:r>
-              <a:rPr lang="de-CH" dirty="0" err="1"/>
-              <a:t>clanging</a:t>
-            </a:r>
-            <a:r>
-              <a:rPr lang="de-CH" dirty="0"/>
-              <a:t> </a:t>
-            </a:r>
-            <a:r>
-              <a:rPr lang="de-CH" dirty="0" err="1"/>
-              <a:t>the</a:t>
-            </a:r>
-            <a:r>
-              <a:rPr lang="de-CH" dirty="0"/>
-              <a:t> </a:t>
-            </a:r>
-            <a:r>
-              <a:rPr lang="de-CH" dirty="0" err="1"/>
-              <a:t>fist</a:t>
-            </a:r>
-            <a:r>
-              <a:rPr lang="de-CH" dirty="0"/>
-              <a:t> </a:t>
-            </a:r>
-            <a:r>
-              <a:rPr lang="de-CH" dirty="0" err="1"/>
-              <a:t>of</a:t>
-            </a:r>
-            <a:r>
-              <a:rPr lang="de-CH" dirty="0"/>
-              <a:t> </a:t>
-            </a:r>
-            <a:r>
-              <a:rPr lang="de-CH" dirty="0" err="1"/>
-              <a:t>the</a:t>
-            </a:r>
-            <a:r>
-              <a:rPr lang="de-CH" dirty="0"/>
-              <a:t> </a:t>
-            </a:r>
-            <a:r>
-              <a:rPr lang="de-CH" dirty="0" err="1"/>
-              <a:t>respective</a:t>
-            </a:r>
-            <a:r>
-              <a:rPr lang="de-CH" dirty="0"/>
-              <a:t> </a:t>
-            </a:r>
-            <a:r>
-              <a:rPr lang="de-CH" dirty="0" err="1"/>
-              <a:t>hand</a:t>
-            </a:r>
-            <a:endParaRPr lang="de-CH" dirty="0"/>
-          </a:p>
-        </p:txBody>
-      </p:sp>
+            <a:endParaRPr lang="de-CH" b="1" dirty="0"/>
+          </a:p>
+        </p:txBody>
+      </p:sp>
+      <p:pic>
+        <p:nvPicPr>
+          <p:cNvPr id="5" name="Grafik 4">
+            <a:extLst>
+              <a:ext uri="{FF2B5EF4-FFF2-40B4-BE49-F238E27FC236}">
+                <a16:creationId xmlns:a16="http://schemas.microsoft.com/office/drawing/2014/main" id="{5D7ECF31-F265-4659-82F2-3E3F6BE5C490}"/>
+              </a:ext>
+            </a:extLst>
+          </p:cNvPr>
+          <p:cNvPicPr>
+            <a:picLocks noChangeAspect="1"/>
+          </p:cNvPicPr>
+          <p:nvPr/>
+        </p:nvPicPr>
+        <p:blipFill>
+          <a:blip r:embed="rId2"/>
+          <a:stretch>
+            <a:fillRect/>
+          </a:stretch>
+        </p:blipFill>
+        <p:spPr>
+          <a:xfrm>
+            <a:off x="6838546" y="2245104"/>
+            <a:ext cx="3892244" cy="2580727"/>
+          </a:xfrm>
+          <a:prstGeom prst="rect">
+            <a:avLst/>
+          </a:prstGeom>
+        </p:spPr>
+      </p:pic>
     </p:spTree>
     <p:extLst>
       <p:ext uri="{BB962C8B-B14F-4D97-AF65-F5344CB8AC3E}">
@@ -9208,8 +8961,47 @@
               <a:t> a </a:t>
             </a:r>
             <a:r>
+              <a:rPr lang="de-CH" b="1" dirty="0" err="1"/>
+              <a:t>natural</a:t>
+            </a:r>
+            <a:r>
+              <a:rPr lang="de-CH" b="1" dirty="0"/>
+              <a:t> </a:t>
+            </a:r>
+            <a:r>
+              <a:rPr lang="de-CH" b="1" dirty="0" err="1"/>
+              <a:t>way</a:t>
+            </a:r>
+            <a:r>
+              <a:rPr lang="de-CH" b="1" dirty="0"/>
+              <a:t> </a:t>
+            </a:r>
+            <a:r>
               <a:rPr lang="de-CH" dirty="0" err="1"/>
-              <a:t>natural</a:t>
+              <a:t>to</a:t>
+            </a:r>
+            <a:r>
+              <a:rPr lang="de-CH" dirty="0"/>
+              <a:t> remote-</a:t>
+            </a:r>
+            <a:r>
+              <a:rPr lang="de-CH" dirty="0" err="1"/>
+              <a:t>control</a:t>
+            </a:r>
+            <a:r>
+              <a:rPr lang="de-CH" dirty="0"/>
+              <a:t> a </a:t>
+            </a:r>
+            <a:r>
+              <a:rPr lang="de-CH" dirty="0" err="1"/>
+              <a:t>car</a:t>
+            </a:r>
+            <a:endParaRPr lang="de-CH" dirty="0"/>
+          </a:p>
+          <a:p>
+            <a:r>
+              <a:rPr lang="de-CH" dirty="0" err="1"/>
+              <a:t>It</a:t>
             </a:r>
             <a:r>
               <a:rPr lang="de-CH" dirty="0"/>
@@ -9217,7 +9009,7 @@
             </a:r>
             <a:r>
               <a:rPr lang="de-CH" dirty="0" err="1"/>
-              <a:t>way</a:t>
+              <a:t>uses</a:t>
             </a:r>
             <a:r>
               <a:rPr lang="de-CH" dirty="0"/>
@@ -9225,30 +9017,7 @@
             </a:r>
             <a:r>
               <a:rPr lang="de-CH" dirty="0" err="1"/>
-              <a:t>to</a:t>
-            </a:r>
-            <a:r>
-              <a:rPr lang="de-CH" dirty="0"/>
-              <a:t> remote-</a:t>
-            </a:r>
-            <a:r>
-              <a:rPr lang="de-CH" dirty="0" err="1"/>
-              <a:t>control</a:t>
-            </a:r>
-            <a:r>
-              <a:rPr lang="de-CH" dirty="0"/>
-              <a:t> a </a:t>
-            </a:r>
-            <a:r>
-              <a:rPr lang="de-CH" dirty="0" err="1"/>
-              <a:t>car</a:t>
-            </a:r>
-            <a:endParaRPr lang="de-CH" dirty="0"/>
-          </a:p>
-          <a:p>
-            <a:r>
-              <a:rPr lang="de-CH" dirty="0" err="1"/>
-              <a:t>It</a:t>
+              <a:t>forearm</a:t>
             </a:r>
             <a:r>
               <a:rPr lang="de-CH" dirty="0"/>
@@ -9256,7 +9025,7 @@
             </a:r>
             <a:r>
               <a:rPr lang="de-CH" dirty="0" err="1"/>
-              <a:t>uses</a:t>
+              <a:t>muscle</a:t>
             </a:r>
             <a:r>
               <a:rPr lang="de-CH" dirty="0"/>
@@ -9264,7 +9033,7 @@
             </a:r>
             <a:r>
               <a:rPr lang="de-CH" dirty="0" err="1"/>
-              <a:t>forearm</a:t>
+              <a:t>tension</a:t>
             </a:r>
             <a:r>
               <a:rPr lang="de-CH" dirty="0"/>
@@ -9272,7 +9041,7 @@
             </a:r>
             <a:r>
               <a:rPr lang="de-CH" dirty="0" err="1"/>
-              <a:t>muscle</a:t>
+              <a:t>to</a:t>
             </a:r>
             <a:r>
               <a:rPr lang="de-CH" dirty="0"/>
@@ -9280,13 +9049,88 @@
             </a:r>
             <a:r>
               <a:rPr lang="de-CH" dirty="0" err="1"/>
-              <a:t>tension</a:t>
+              <a:t>detect</a:t>
             </a:r>
             <a:r>
               <a:rPr lang="de-CH" dirty="0"/>
               <a:t> </a:t>
             </a:r>
             <a:r>
+              <a:rPr lang="de-CH" b="1" dirty="0" err="1"/>
+              <a:t>various</a:t>
+            </a:r>
+            <a:r>
+              <a:rPr lang="de-CH" b="1" dirty="0"/>
+              <a:t> </a:t>
+            </a:r>
+            <a:r>
+              <a:rPr lang="de-CH" b="1" dirty="0" err="1"/>
+              <a:t>gestures</a:t>
+            </a:r>
+            <a:r>
+              <a:rPr lang="de-CH" b="1" dirty="0"/>
+              <a:t> </a:t>
+            </a:r>
+            <a:r>
+              <a:rPr lang="de-CH" dirty="0" err="1"/>
+              <a:t>from</a:t>
+            </a:r>
+            <a:r>
+              <a:rPr lang="de-CH" dirty="0"/>
+              <a:t> </a:t>
+            </a:r>
+            <a:r>
+              <a:rPr lang="de-CH" dirty="0" err="1"/>
+              <a:t>the</a:t>
+            </a:r>
+            <a:r>
+              <a:rPr lang="de-CH" dirty="0"/>
+              <a:t> </a:t>
+            </a:r>
+            <a:r>
+              <a:rPr lang="de-CH" dirty="0" err="1"/>
+              <a:t>driver</a:t>
+            </a:r>
+            <a:endParaRPr lang="de-CH" dirty="0"/>
+          </a:p>
+          <a:p>
+            <a:r>
+              <a:rPr lang="de-CH" dirty="0"/>
+              <a:t>By </a:t>
+            </a:r>
+            <a:r>
+              <a:rPr lang="de-CH" dirty="0" err="1"/>
+              <a:t>its</a:t>
+            </a:r>
+            <a:r>
+              <a:rPr lang="de-CH" dirty="0"/>
+              <a:t> modular </a:t>
+            </a:r>
+            <a:r>
+              <a:rPr lang="de-CH" dirty="0" err="1"/>
+              <a:t>architecture</a:t>
+            </a:r>
+            <a:r>
+              <a:rPr lang="de-CH" dirty="0"/>
+              <a:t> and design, </a:t>
+            </a:r>
+            <a:r>
+              <a:rPr lang="de-CH" dirty="0" err="1"/>
+              <a:t>it</a:t>
+            </a:r>
+            <a:r>
+              <a:rPr lang="de-CH" dirty="0"/>
+              <a:t> </a:t>
+            </a:r>
+            <a:r>
+              <a:rPr lang="de-CH" dirty="0" err="1"/>
+              <a:t>allows</a:t>
+            </a:r>
+            <a:r>
+              <a:rPr lang="de-CH" dirty="0"/>
+              <a:t> </a:t>
+            </a:r>
+            <a:r>
               <a:rPr lang="de-CH" dirty="0" err="1"/>
               <a:t>to</a:t>
             </a:r>
@@ -9296,7 +9140,7 @@
             </a:r>
             <a:r>
               <a:rPr lang="de-CH" dirty="0" err="1"/>
-              <a:t>detect</a:t>
+              <a:t>easily</a:t>
             </a:r>
             <a:r>
               <a:rPr lang="de-CH" dirty="0"/>
@@ -9304,7 +9148,7 @@
             </a:r>
             <a:r>
               <a:rPr lang="de-CH" dirty="0" err="1"/>
-              <a:t>various</a:t>
+              <a:t>adapt</a:t>
             </a:r>
             <a:r>
               <a:rPr lang="de-CH" dirty="0"/>
@@ -9312,7 +9156,7 @@
             </a:r>
             <a:r>
               <a:rPr lang="de-CH" dirty="0" err="1"/>
-              <a:t>gestures</a:t>
+              <a:t>to</a:t>
             </a:r>
             <a:r>
               <a:rPr lang="de-CH" dirty="0"/>
@@ -9320,7 +9164,7 @@
             </a:r>
             <a:r>
               <a:rPr lang="de-CH" dirty="0" err="1"/>
-              <a:t>from</a:t>
+              <a:t>various</a:t>
             </a:r>
             <a:r>
               <a:rPr lang="de-CH" dirty="0"/>
@@ -9328,7 +9172,15 @@
             </a:r>
             <a:r>
               <a:rPr lang="de-CH" dirty="0" err="1"/>
-              <a:t>the</a:t>
+              <a:t>driving</a:t>
+            </a:r>
+            <a:r>
+              <a:rPr lang="de-CH" dirty="0"/>
+              <a:t> (</a:t>
+            </a:r>
+            <a:r>
+              <a:rPr lang="de-CH" dirty="0" err="1"/>
+              <a:t>or</a:t>
             </a:r>
             <a:r>
               <a:rPr lang="de-CH" dirty="0"/>
@@ -9336,42 +9188,65 @@
             </a:r>
             <a:r>
               <a:rPr lang="de-CH" dirty="0" err="1"/>
-              <a:t>driver</a:t>
-            </a:r>
-            <a:endParaRPr lang="de-CH" dirty="0"/>
-          </a:p>
-          <a:p>
+              <a:t>other</a:t>
+            </a:r>
             <a:r>
               <a:rPr lang="de-CH" dirty="0"/>
-              <a:t>By </a:t>
+              <a:t>) </a:t>
             </a:r>
             <a:r>
               <a:rPr lang="de-CH" dirty="0" err="1"/>
-              <a:t>its</a:t>
+              <a:t>endpoints</a:t>
             </a:r>
             <a:r>
               <a:rPr lang="de-CH" dirty="0"/>
-              <a:t> modular </a:t>
+              <a:t> and </a:t>
             </a:r>
             <a:r>
               <a:rPr lang="de-CH" dirty="0" err="1"/>
-              <a:t>architecture</a:t>
+              <a:t>can</a:t>
             </a:r>
             <a:r>
               <a:rPr lang="de-CH" dirty="0"/>
-              <a:t> and design, </a:t>
+              <a:t>  </a:t>
             </a:r>
             <a:r>
               <a:rPr lang="de-CH" dirty="0" err="1"/>
-              <a:t>it</a:t>
+              <a:t>be</a:t>
             </a:r>
             <a:r>
               <a:rPr lang="de-CH" dirty="0"/>
               <a:t> </a:t>
             </a:r>
             <a:r>
+              <a:rPr lang="de-CH" b="1" dirty="0" err="1"/>
+              <a:t>customized</a:t>
+            </a:r>
+            <a:r>
+              <a:rPr lang="de-CH" b="1" dirty="0"/>
+              <a:t> </a:t>
+            </a:r>
+            <a:r>
+              <a:rPr lang="de-CH" b="1" dirty="0" err="1"/>
+              <a:t>to</a:t>
+            </a:r>
+            <a:r>
+              <a:rPr lang="de-CH" b="1" dirty="0"/>
+              <a:t> personal </a:t>
+            </a:r>
+            <a:r>
+              <a:rPr lang="de-CH" b="1" dirty="0" err="1"/>
+              <a:t>needs</a:t>
+            </a:r>
+            <a:r>
+              <a:rPr lang="de-CH" dirty="0"/>
+              <a:t>.</a:t>
+            </a:r>
+          </a:p>
+          <a:p>
+            <a:r>
               <a:rPr lang="de-CH" dirty="0" err="1"/>
-              <a:t>allows</a:t>
+              <a:t>Suitable</a:t>
             </a:r>
             <a:r>
               <a:rPr lang="de-CH" dirty="0"/>
@@ -9379,7 +9254,7 @@
             </a:r>
             <a:r>
               <a:rPr lang="de-CH" dirty="0" err="1"/>
-              <a:t>to</a:t>
+              <a:t>for</a:t>
             </a:r>
             <a:r>
               <a:rPr lang="de-CH" dirty="0"/>
@@ -9387,7 +9262,7 @@
             </a:r>
             <a:r>
               <a:rPr lang="de-CH" dirty="0" err="1"/>
-              <a:t>easily</a:t>
+              <a:t>various</a:t>
             </a:r>
             <a:r>
               <a:rPr lang="de-CH" dirty="0"/>
@@ -9395,7 +9270,7 @@
             </a:r>
             <a:r>
               <a:rPr lang="de-CH" dirty="0" err="1"/>
-              <a:t>adapt</a:t>
+              <a:t>fields</a:t>
             </a:r>
             <a:r>
               <a:rPr lang="de-CH" dirty="0"/>
@@ -9403,7 +9278,7 @@
             </a:r>
             <a:r>
               <a:rPr lang="de-CH" dirty="0" err="1"/>
-              <a:t>to</a:t>
+              <a:t>of</a:t>
             </a:r>
             <a:r>
               <a:rPr lang="de-CH" dirty="0"/>
@@ -9411,7 +9286,31 @@
             </a:r>
             <a:r>
               <a:rPr lang="de-CH" dirty="0" err="1"/>
-              <a:t>various</a:t>
+              <a:t>businesses</a:t>
+            </a:r>
+            <a:r>
+              <a:rPr lang="de-CH" dirty="0"/>
+              <a:t>, e.g. </a:t>
+            </a:r>
+            <a:r>
+              <a:rPr lang="de-CH" dirty="0" err="1"/>
+              <a:t>Healthcare</a:t>
+            </a:r>
+            <a:r>
+              <a:rPr lang="de-CH" dirty="0"/>
+              <a:t>, </a:t>
+            </a:r>
+            <a:r>
+              <a:rPr lang="de-CH" dirty="0" err="1"/>
+              <a:t>defence</a:t>
+            </a:r>
+            <a:r>
+              <a:rPr lang="de-CH" dirty="0"/>
+              <a:t>, </a:t>
+            </a:r>
+            <a:r>
+              <a:rPr lang="de-CH" dirty="0" err="1"/>
+              <a:t>public</a:t>
             </a:r>
             <a:r>
               <a:rPr lang="de-CH" dirty="0"/>
@@ -9419,11 +9318,11 @@
             </a:r>
             <a:r>
               <a:rPr lang="de-CH" dirty="0" err="1"/>
-              <a:t>driving</a:t>
+              <a:t>transportation</a:t>
             </a:r>
             <a:r>
               <a:rPr lang="de-CH" dirty="0"/>
-              <a:t> (</a:t>
+              <a:t> </a:t>
             </a:r>
             <a:r>
               <a:rPr lang="de-CH" dirty="0" err="1"/>
@@ -9435,31 +9334,7 @@
             </a:r>
             <a:r>
               <a:rPr lang="de-CH" dirty="0" err="1"/>
-              <a:t>other</a:t>
-            </a:r>
-            <a:r>
-              <a:rPr lang="de-CH" dirty="0"/>
-              <a:t>) </a:t>
-            </a:r>
-            <a:r>
-              <a:rPr lang="de-CH" dirty="0" err="1"/>
-              <a:t>endpoints</a:t>
-            </a:r>
-            <a:r>
-              <a:rPr lang="de-CH" dirty="0"/>
-              <a:t> and </a:t>
-            </a:r>
-            <a:r>
-              <a:rPr lang="de-CH" dirty="0" err="1"/>
-              <a:t>can</a:t>
-            </a:r>
-            <a:r>
-              <a:rPr lang="de-CH" dirty="0"/>
-              <a:t>  </a:t>
-            </a:r>
-            <a:r>
-              <a:rPr lang="de-CH" dirty="0" err="1"/>
-              <a:t>be</a:t>
+              <a:t>even</a:t>
             </a:r>
             <a:r>
               <a:rPr lang="de-CH" dirty="0"/>
@@ -9467,141 +9342,27 @@
             </a:r>
             <a:r>
               <a:rPr lang="de-CH" dirty="0" err="1"/>
-              <a:t>customized</a:t>
+              <a:t>for</a:t>
             </a:r>
             <a:r>
               <a:rPr lang="de-CH" dirty="0"/>
               <a:t> </a:t>
             </a:r>
             <a:r>
-              <a:rPr lang="de-CH" dirty="0" err="1"/>
-              <a:t>to</a:t>
+              <a:rPr lang="de-CH" b="1" dirty="0"/>
+              <a:t>British Secret Service </a:t>
+            </a:r>
+            <a:r>
+              <a:rPr lang="de-CH" b="1" dirty="0" err="1"/>
+              <a:t>agents</a:t>
+            </a:r>
+            <a:r>
+              <a:rPr lang="de-CH" b="1" dirty="0"/>
+              <a:t> </a:t>
             </a:r>
             <a:r>
               <a:rPr lang="de-CH" dirty="0"/>
-              <a:t> personal </a:t>
-            </a:r>
-            <a:r>
-              <a:rPr lang="de-CH" dirty="0" err="1"/>
-              <a:t>needs</a:t>
-            </a:r>
-            <a:r>
-              <a:rPr lang="de-CH" dirty="0"/>
-              <a:t>.</a:t>
-            </a:r>
-          </a:p>
-          <a:p>
-            <a:r>
-              <a:rPr lang="de-CH" dirty="0" err="1"/>
-              <a:t>Suitable</a:t>
-            </a:r>
-            <a:r>
-              <a:rPr lang="de-CH" dirty="0"/>
-              <a:t> </a:t>
-            </a:r>
-            <a:r>
-              <a:rPr lang="de-CH" dirty="0" err="1"/>
-              <a:t>for</a:t>
-            </a:r>
-            <a:r>
-              <a:rPr lang="de-CH" dirty="0"/>
-              <a:t> </a:t>
-            </a:r>
-            <a:r>
-              <a:rPr lang="de-CH" dirty="0" err="1"/>
-              <a:t>various</a:t>
-            </a:r>
-            <a:r>
-              <a:rPr lang="de-CH" dirty="0"/>
-              <a:t> </a:t>
-            </a:r>
-            <a:r>
-              <a:rPr lang="de-CH" dirty="0" err="1"/>
-              <a:t>fields</a:t>
-            </a:r>
-            <a:r>
-              <a:rPr lang="de-CH" dirty="0"/>
-              <a:t> </a:t>
-            </a:r>
-            <a:r>
-              <a:rPr lang="de-CH" dirty="0" err="1"/>
-              <a:t>of</a:t>
-            </a:r>
-            <a:r>
-              <a:rPr lang="de-CH" dirty="0"/>
-              <a:t> </a:t>
-            </a:r>
-            <a:r>
-              <a:rPr lang="de-CH" dirty="0" err="1"/>
-              <a:t>businesses</a:t>
-            </a:r>
-            <a:r>
-              <a:rPr lang="de-CH" dirty="0"/>
-              <a:t>, e.g. </a:t>
-            </a:r>
-            <a:r>
-              <a:rPr lang="de-CH" dirty="0" err="1"/>
-              <a:t>Healthcare</a:t>
-            </a:r>
-            <a:r>
-              <a:rPr lang="de-CH" dirty="0"/>
-              <a:t>, </a:t>
-            </a:r>
-            <a:r>
-              <a:rPr lang="de-CH" dirty="0" err="1"/>
-              <a:t>defence</a:t>
-            </a:r>
-            <a:r>
-              <a:rPr lang="de-CH" dirty="0"/>
-              <a:t>, </a:t>
-            </a:r>
-            <a:r>
-              <a:rPr lang="de-CH" dirty="0" err="1"/>
-              <a:t>public</a:t>
-            </a:r>
-            <a:r>
-              <a:rPr lang="de-CH" dirty="0"/>
-              <a:t> </a:t>
-            </a:r>
-            <a:r>
-              <a:rPr lang="de-CH" dirty="0" err="1"/>
-              <a:t>transportation</a:t>
-            </a:r>
-            <a:r>
-              <a:rPr lang="de-CH" dirty="0"/>
-              <a:t> </a:t>
-            </a:r>
-            <a:r>
-              <a:rPr lang="de-CH" dirty="0" err="1"/>
-              <a:t>or</a:t>
-            </a:r>
-            <a:r>
-              <a:rPr lang="de-CH" dirty="0"/>
-              <a:t> </a:t>
-            </a:r>
-            <a:r>
-              <a:rPr lang="de-CH" dirty="0" err="1"/>
-              <a:t>even</a:t>
-            </a:r>
-            <a:r>
-              <a:rPr lang="de-CH" dirty="0"/>
-              <a:t> </a:t>
-            </a:r>
-            <a:r>
-              <a:rPr lang="de-CH" dirty="0" err="1"/>
-              <a:t>for</a:t>
-            </a:r>
-            <a:r>
-              <a:rPr lang="de-CH" dirty="0"/>
-              <a:t> British Secret Service </a:t>
-            </a:r>
-            <a:r>
-              <a:rPr lang="de-CH" dirty="0" err="1"/>
-              <a:t>agents</a:t>
-            </a:r>
-            <a:r>
-              <a:rPr lang="de-CH" dirty="0"/>
-              <a:t> ;-)</a:t>
+              <a:t>;-)</a:t>
             </a:r>
           </a:p>
         </p:txBody>
@@ -10542,8 +10303,8 @@
         </p:blipFill>
         <p:spPr>
           <a:xfrm>
-            <a:off x="4211065" y="2786201"/>
-            <a:ext cx="1285596" cy="1285596"/>
+            <a:off x="3891812" y="2463293"/>
+            <a:ext cx="1794371" cy="1794371"/>
           </a:xfrm>
           <a:prstGeom prst="rect">
             <a:avLst/>
@@ -10637,7 +10398,7 @@
         </p:blipFill>
         <p:spPr bwMode="auto">
           <a:xfrm>
-            <a:off x="3448201" y="4115745"/>
+            <a:off x="3563611" y="4710549"/>
             <a:ext cx="2646210" cy="1486833"/>
           </a:xfrm>
           <a:prstGeom prst="rect">
@@ -10693,10 +10454,10 @@
       </p:sp>
       <p:pic>
         <p:nvPicPr>
-          <p:cNvPr id="4" name="Picture 3">
+          <p:cNvPr id="17" name="Picture 3">
             <a:extLst>
               <a:ext uri="{FF2B5EF4-FFF2-40B4-BE49-F238E27FC236}">
-                <a16:creationId xmlns:a16="http://schemas.microsoft.com/office/drawing/2014/main" id="{567B7E57-7FC1-4A68-A9BF-3906D7F102C1}"/>
+                <a16:creationId xmlns:a16="http://schemas.microsoft.com/office/drawing/2014/main" id="{DA72B5AA-A050-4C02-B348-143D62A8833B}"/>
               </a:ext>
             </a:extLst>
           </p:cNvPr>
@@ -10713,7 +10474,7 @@
         </p:blipFill>
         <p:spPr>
           <a:xfrm>
-            <a:off x="3532367" y="844757"/>
+            <a:off x="3532366" y="383118"/>
             <a:ext cx="2744086" cy="1372043"/>
           </a:xfrm>
           <a:prstGeom prst="rect">
@@ -10724,7 +10485,7 @@
     </p:spTree>
     <p:extLst>
       <p:ext uri="{BB962C8B-B14F-4D97-AF65-F5344CB8AC3E}">
-        <p14:creationId xmlns:p14="http://schemas.microsoft.com/office/powerpoint/2010/main" val="4073157136"/>
+        <p14:creationId xmlns:p14="http://schemas.microsoft.com/office/powerpoint/2010/main" val="2299932853"/>
       </p:ext>
     </p:extLst>
   </p:cSld>

--- a/Myo-Car.pptx
+++ b/Myo-Car.pptx
@@ -9096,27 +9096,11 @@
           <a:p>
             <a:r>
               <a:rPr lang="de-CH" dirty="0"/>
-              <a:t>By </a:t>
+              <a:t>Easy </a:t>
             </a:r>
             <a:r>
               <a:rPr lang="de-CH" dirty="0" err="1"/>
-              <a:t>its</a:t>
-            </a:r>
-            <a:r>
-              <a:rPr lang="de-CH" dirty="0"/>
-              <a:t> modular </a:t>
-            </a:r>
-            <a:r>
-              <a:rPr lang="de-CH" dirty="0" err="1"/>
-              <a:t>architecture</a:t>
-            </a:r>
-            <a:r>
-              <a:rPr lang="de-CH" dirty="0"/>
-              <a:t> and design, </a:t>
-            </a:r>
-            <a:r>
-              <a:rPr lang="de-CH" dirty="0" err="1"/>
-              <a:t>it</a:t>
+              <a:t>to</a:t>
             </a:r>
             <a:r>
               <a:rPr lang="de-CH" dirty="0"/>
@@ -9124,7 +9108,7 @@
             </a:r>
             <a:r>
               <a:rPr lang="de-CH" dirty="0" err="1"/>
-              <a:t>allows</a:t>
+              <a:t>adapt</a:t>
             </a:r>
             <a:r>
               <a:rPr lang="de-CH" dirty="0"/>
@@ -9140,7 +9124,7 @@
             </a:r>
             <a:r>
               <a:rPr lang="de-CH" dirty="0" err="1"/>
-              <a:t>easily</a:t>
+              <a:t>various</a:t>
             </a:r>
             <a:r>
               <a:rPr lang="de-CH" dirty="0"/>
@@ -9148,7 +9132,7 @@
             </a:r>
             <a:r>
               <a:rPr lang="de-CH" dirty="0" err="1"/>
-              <a:t>adapt</a:t>
+              <a:t>driving</a:t>
             </a:r>
             <a:r>
               <a:rPr lang="de-CH" dirty="0"/>
@@ -9156,13 +9140,71 @@
             </a:r>
             <a:r>
               <a:rPr lang="de-CH" dirty="0" err="1"/>
-              <a:t>to</a:t>
+              <a:t>endpoints</a:t>
+            </a:r>
+            <a:r>
+              <a:rPr lang="de-CH" dirty="0"/>
+              <a:t> and </a:t>
+            </a:r>
+            <a:r>
+              <a:rPr lang="de-CH" dirty="0" err="1"/>
+              <a:t>can</a:t>
+            </a:r>
+            <a:r>
+              <a:rPr lang="de-CH" dirty="0"/>
+              <a:t>  </a:t>
+            </a:r>
+            <a:r>
+              <a:rPr lang="de-CH" dirty="0" err="1"/>
+              <a:t>be</a:t>
             </a:r>
             <a:r>
               <a:rPr lang="de-CH" dirty="0"/>
               <a:t> </a:t>
             </a:r>
             <a:r>
+              <a:rPr lang="de-CH" b="1" dirty="0" err="1"/>
+              <a:t>customized</a:t>
+            </a:r>
+            <a:r>
+              <a:rPr lang="de-CH" b="1" dirty="0"/>
+              <a:t> </a:t>
+            </a:r>
+            <a:r>
+              <a:rPr lang="de-CH" b="1" dirty="0" err="1"/>
+              <a:t>to</a:t>
+            </a:r>
+            <a:r>
+              <a:rPr lang="de-CH" b="1" dirty="0"/>
+              <a:t> personal </a:t>
+            </a:r>
+            <a:r>
+              <a:rPr lang="de-CH" b="1" dirty="0" err="1"/>
+              <a:t>needs</a:t>
+            </a:r>
+            <a:r>
+              <a:rPr lang="de-CH" dirty="0"/>
+              <a:t>.</a:t>
+            </a:r>
+          </a:p>
+          <a:p>
+            <a:r>
+              <a:rPr lang="de-CH" dirty="0" err="1"/>
+              <a:t>Suitable</a:t>
+            </a:r>
+            <a:r>
+              <a:rPr lang="de-CH" dirty="0"/>
+              <a:t> </a:t>
+            </a:r>
+            <a:r>
+              <a:rPr lang="de-CH" dirty="0" err="1"/>
+              <a:t>for</a:t>
+            </a:r>
+            <a:r>
+              <a:rPr lang="de-CH" dirty="0"/>
+              <a:t> </a:t>
+            </a:r>
+            <a:r>
               <a:rPr lang="de-CH" dirty="0" err="1"/>
               <a:t>various</a:t>
             </a:r>
@@ -9172,15 +9214,7 @@
             </a:r>
             <a:r>
               <a:rPr lang="de-CH" dirty="0" err="1"/>
-              <a:t>driving</a:t>
-            </a:r>
-            <a:r>
-              <a:rPr lang="de-CH" dirty="0"/>
-              <a:t> (</a:t>
-            </a:r>
-            <a:r>
-              <a:rPr lang="de-CH" dirty="0" err="1"/>
-              <a:t>or</a:t>
+              <a:t>fields</a:t>
             </a:r>
             <a:r>
               <a:rPr lang="de-CH" dirty="0"/>
@@ -9188,65 +9222,43 @@
             </a:r>
             <a:r>
               <a:rPr lang="de-CH" dirty="0" err="1"/>
-              <a:t>other</a:t>
-            </a:r>
-            <a:r>
-              <a:rPr lang="de-CH" dirty="0"/>
-              <a:t>) </a:t>
-            </a:r>
-            <a:r>
-              <a:rPr lang="de-CH" dirty="0" err="1"/>
-              <a:t>endpoints</a:t>
-            </a:r>
-            <a:r>
-              <a:rPr lang="de-CH" dirty="0"/>
-              <a:t> and </a:t>
-            </a:r>
-            <a:r>
-              <a:rPr lang="de-CH" dirty="0" err="1"/>
-              <a:t>can</a:t>
-            </a:r>
-            <a:r>
-              <a:rPr lang="de-CH" dirty="0"/>
-              <a:t>  </a:t>
-            </a:r>
-            <a:r>
-              <a:rPr lang="de-CH" dirty="0" err="1"/>
-              <a:t>be</a:t>
+              <a:t>of</a:t>
             </a:r>
             <a:r>
               <a:rPr lang="de-CH" dirty="0"/>
               <a:t> </a:t>
             </a:r>
             <a:r>
-              <a:rPr lang="de-CH" b="1" dirty="0" err="1"/>
-              <a:t>customized</a:t>
-            </a:r>
-            <a:r>
-              <a:rPr lang="de-CH" b="1" dirty="0"/>
-              <a:t> </a:t>
-            </a:r>
-            <a:r>
-              <a:rPr lang="de-CH" b="1" dirty="0" err="1"/>
-              <a:t>to</a:t>
-            </a:r>
-            <a:r>
-              <a:rPr lang="de-CH" b="1" dirty="0"/>
-              <a:t> personal </a:t>
-            </a:r>
-            <a:r>
-              <a:rPr lang="de-CH" b="1" dirty="0" err="1"/>
-              <a:t>needs</a:t>
-            </a:r>
+              <a:rPr lang="de-CH" dirty="0" err="1"/>
+              <a:t>businesses</a:t>
+            </a:r>
+            <a:endParaRPr lang="de-CH" dirty="0"/>
+          </a:p>
+          <a:p>
+            <a:pPr lvl="1"/>
             <a:r>
               <a:rPr lang="de-CH" dirty="0"/>
-              <a:t>.</a:t>
-            </a:r>
-          </a:p>
-          <a:p>
+              <a:t>e.g. </a:t>
+            </a:r>
             <a:r>
               <a:rPr lang="de-CH" dirty="0" err="1"/>
-              <a:t>Suitable</a:t>
+              <a:t>Healthcare</a:t>
+            </a:r>
+            <a:r>
+              <a:rPr lang="de-CH" dirty="0"/>
+              <a:t>, </a:t>
+            </a:r>
+            <a:r>
+              <a:rPr lang="de-CH" dirty="0" err="1"/>
+              <a:t>defence</a:t>
+            </a:r>
+            <a:r>
+              <a:rPr lang="de-CH" dirty="0"/>
+              <a:t>, </a:t>
+            </a:r>
+            <a:r>
+              <a:rPr lang="de-CH" dirty="0" err="1"/>
+              <a:t>public</a:t>
             </a:r>
             <a:r>
               <a:rPr lang="de-CH" dirty="0"/>
@@ -9254,76 +9266,11 @@
             </a:r>
             <a:r>
               <a:rPr lang="de-CH" dirty="0" err="1"/>
-              <a:t>for</a:t>
-            </a:r>
-            <a:r>
+              <a:t>transportation</a:t>
+            </a:r>
+            <a:br>
               <a:rPr lang="de-CH" dirty="0"/>
-              <a:t> </a:t>
-            </a:r>
-            <a:r>
-              <a:rPr lang="de-CH" dirty="0" err="1"/>
-              <a:t>various</a:t>
-            </a:r>
-            <a:r>
-              <a:rPr lang="de-CH" dirty="0"/>
-              <a:t> </a:t>
-            </a:r>
-            <a:r>
-              <a:rPr lang="de-CH" dirty="0" err="1"/>
-              <a:t>fields</a:t>
-            </a:r>
-            <a:r>
-              <a:rPr lang="de-CH" dirty="0"/>
-              <a:t> </a:t>
-            </a:r>
-            <a:r>
-              <a:rPr lang="de-CH" dirty="0" err="1"/>
-              <a:t>of</a:t>
-            </a:r>
-            <a:r>
-              <a:rPr lang="de-CH" dirty="0"/>
-              <a:t> </a:t>
-            </a:r>
-            <a:r>
-              <a:rPr lang="de-CH" dirty="0" err="1"/>
-              <a:t>businesses</a:t>
-            </a:r>
-            <a:r>
-              <a:rPr lang="de-CH" dirty="0"/>
-              <a:t>, e.g. </a:t>
-            </a:r>
-            <a:r>
-              <a:rPr lang="de-CH" dirty="0" err="1"/>
-              <a:t>Healthcare</a:t>
-            </a:r>
-            <a:r>
-              <a:rPr lang="de-CH" dirty="0"/>
-              <a:t>, </a:t>
-            </a:r>
-            <a:r>
-              <a:rPr lang="de-CH" dirty="0" err="1"/>
-              <a:t>defence</a:t>
-            </a:r>
-            <a:r>
-              <a:rPr lang="de-CH" dirty="0"/>
-              <a:t>, </a:t>
-            </a:r>
-            <a:r>
-              <a:rPr lang="de-CH" dirty="0" err="1"/>
-              <a:t>public</a:t>
-            </a:r>
-            <a:r>
-              <a:rPr lang="de-CH" dirty="0"/>
-              <a:t> </a:t>
-            </a:r>
-            <a:r>
-              <a:rPr lang="de-CH" dirty="0" err="1"/>
-              <a:t>transportation</a:t>
-            </a:r>
-            <a:r>
-              <a:rPr lang="de-CH" dirty="0"/>
-              <a:t> </a:t>
-            </a:r>
+            </a:br>
             <a:r>
               <a:rPr lang="de-CH" dirty="0" err="1"/>
               <a:t>or</a:t>
